--- a/manual/Good trade software manual.pptx
+++ b/manual/Good trade software manual.pptx
@@ -917,7 +917,7 @@
             <a:fld id="{B61BEF0D-F0BB-DE4B-95CE-6DB70DBA9567}" type="datetimeFigureOut">
               <a:rPr lang="en-US" smtClean="0"/>
               <a:pPr/>
-              <a:t>1/5/2021</a:t>
+              <a:t>1/17/2021</a:t>
             </a:fld>
             <a:endParaRPr lang="en-US" dirty="0"/>
           </a:p>
@@ -1170,7 +1170,7 @@
             <a:fld id="{B61BEF0D-F0BB-DE4B-95CE-6DB70DBA9567}" type="datetimeFigureOut">
               <a:rPr lang="en-US" smtClean="0"/>
               <a:pPr/>
-              <a:t>1/5/2021</a:t>
+              <a:t>1/17/2021</a:t>
             </a:fld>
             <a:endParaRPr lang="en-US" dirty="0"/>
           </a:p>
@@ -1486,7 +1486,7 @@
             <a:fld id="{B61BEF0D-F0BB-DE4B-95CE-6DB70DBA9567}" type="datetimeFigureOut">
               <a:rPr lang="en-US" smtClean="0"/>
               <a:pPr/>
-              <a:t>1/5/2021</a:t>
+              <a:t>1/17/2021</a:t>
             </a:fld>
             <a:endParaRPr lang="en-US" dirty="0"/>
           </a:p>
@@ -1821,7 +1821,7 @@
             <a:fld id="{B61BEF0D-F0BB-DE4B-95CE-6DB70DBA9567}" type="datetimeFigureOut">
               <a:rPr lang="en-US" smtClean="0"/>
               <a:pPr/>
-              <a:t>1/5/2021</a:t>
+              <a:t>1/17/2021</a:t>
             </a:fld>
             <a:endParaRPr lang="en-US" dirty="0"/>
           </a:p>
@@ -2137,7 +2137,7 @@
             <a:fld id="{B61BEF0D-F0BB-DE4B-95CE-6DB70DBA9567}" type="datetimeFigureOut">
               <a:rPr lang="en-US" smtClean="0"/>
               <a:pPr/>
-              <a:t>1/5/2021</a:t>
+              <a:t>1/17/2021</a:t>
             </a:fld>
             <a:endParaRPr lang="en-US" dirty="0"/>
           </a:p>
@@ -2532,7 +2532,7 @@
             <a:fld id="{B61BEF0D-F0BB-DE4B-95CE-6DB70DBA9567}" type="datetimeFigureOut">
               <a:rPr lang="en-US" smtClean="0"/>
               <a:pPr/>
-              <a:t>1/5/2021</a:t>
+              <a:t>1/17/2021</a:t>
             </a:fld>
             <a:endParaRPr lang="en-US" dirty="0"/>
           </a:p>
@@ -2704,7 +2704,7 @@
             <a:fld id="{B61BEF0D-F0BB-DE4B-95CE-6DB70DBA9567}" type="datetimeFigureOut">
               <a:rPr lang="en-US" smtClean="0"/>
               <a:pPr/>
-              <a:t>1/5/2021</a:t>
+              <a:t>1/17/2021</a:t>
             </a:fld>
             <a:endParaRPr lang="en-US" dirty="0"/>
           </a:p>
@@ -2886,7 +2886,7 @@
             <a:fld id="{B61BEF0D-F0BB-DE4B-95CE-6DB70DBA9567}" type="datetimeFigureOut">
               <a:rPr lang="en-US" smtClean="0"/>
               <a:pPr/>
-              <a:t>1/5/2021</a:t>
+              <a:t>1/17/2021</a:t>
             </a:fld>
             <a:endParaRPr lang="en-US" dirty="0"/>
           </a:p>
@@ -3058,7 +3058,7 @@
             <a:fld id="{B61BEF0D-F0BB-DE4B-95CE-6DB70DBA9567}" type="datetimeFigureOut">
               <a:rPr lang="en-US" smtClean="0"/>
               <a:pPr/>
-              <a:t>1/5/2021</a:t>
+              <a:t>1/17/2021</a:t>
             </a:fld>
             <a:endParaRPr lang="en-US" dirty="0"/>
           </a:p>
@@ -3307,7 +3307,7 @@
             <a:fld id="{B61BEF0D-F0BB-DE4B-95CE-6DB70DBA9567}" type="datetimeFigureOut">
               <a:rPr lang="en-US" smtClean="0"/>
               <a:pPr/>
-              <a:t>1/5/2021</a:t>
+              <a:t>1/17/2021</a:t>
             </a:fld>
             <a:endParaRPr lang="en-US" dirty="0"/>
           </a:p>
@@ -3606,7 +3606,7 @@
             <a:fld id="{B61BEF0D-F0BB-DE4B-95CE-6DB70DBA9567}" type="datetimeFigureOut">
               <a:rPr lang="en-US" smtClean="0"/>
               <a:pPr/>
-              <a:t>1/5/2021</a:t>
+              <a:t>1/17/2021</a:t>
             </a:fld>
             <a:endParaRPr lang="en-US" dirty="0"/>
           </a:p>
@@ -3987,7 +3987,7 @@
             <a:fld id="{B61BEF0D-F0BB-DE4B-95CE-6DB70DBA9567}" type="datetimeFigureOut">
               <a:rPr lang="en-US" smtClean="0"/>
               <a:pPr/>
-              <a:t>1/5/2021</a:t>
+              <a:t>1/17/2021</a:t>
             </a:fld>
             <a:endParaRPr lang="en-US" dirty="0"/>
           </a:p>
@@ -4112,7 +4112,7 @@
             <a:fld id="{B61BEF0D-F0BB-DE4B-95CE-6DB70DBA9567}" type="datetimeFigureOut">
               <a:rPr lang="en-US" smtClean="0"/>
               <a:pPr/>
-              <a:t>1/5/2021</a:t>
+              <a:t>1/17/2021</a:t>
             </a:fld>
             <a:endParaRPr lang="en-US" dirty="0"/>
           </a:p>
@@ -4209,7 +4209,7 @@
             <a:fld id="{B61BEF0D-F0BB-DE4B-95CE-6DB70DBA9567}" type="datetimeFigureOut">
               <a:rPr lang="en-US" smtClean="0"/>
               <a:pPr/>
-              <a:t>1/5/2021</a:t>
+              <a:t>1/17/2021</a:t>
             </a:fld>
             <a:endParaRPr lang="en-US" dirty="0"/>
           </a:p>
@@ -4466,7 +4466,7 @@
             <a:fld id="{B61BEF0D-F0BB-DE4B-95CE-6DB70DBA9567}" type="datetimeFigureOut">
               <a:rPr lang="en-US" smtClean="0"/>
               <a:pPr/>
-              <a:t>1/5/2021</a:t>
+              <a:t>1/17/2021</a:t>
             </a:fld>
             <a:endParaRPr lang="en-US" dirty="0"/>
           </a:p>
@@ -4731,7 +4731,7 @@
             <a:fld id="{B61BEF0D-F0BB-DE4B-95CE-6DB70DBA9567}" type="datetimeFigureOut">
               <a:rPr lang="en-US" smtClean="0"/>
               <a:pPr/>
-              <a:t>1/5/2021</a:t>
+              <a:t>1/17/2021</a:t>
             </a:fld>
             <a:endParaRPr lang="en-US" dirty="0"/>
           </a:p>
@@ -5547,7 +5547,7 @@
             <a:fld id="{B61BEF0D-F0BB-DE4B-95CE-6DB70DBA9567}" type="datetimeFigureOut">
               <a:rPr lang="en-US" smtClean="0"/>
               <a:pPr/>
-              <a:t>1/5/2021</a:t>
+              <a:t>1/17/2021</a:t>
             </a:fld>
             <a:endParaRPr lang="en-US" dirty="0"/>
           </a:p>
@@ -6628,8 +6628,8 @@
         </p:nvSpPr>
         <p:spPr>
           <a:xfrm>
-            <a:off x="170378" y="6625482"/>
-            <a:ext cx="4941248" cy="1027589"/>
+            <a:off x="170377" y="6625482"/>
+            <a:ext cx="5803040" cy="1962845"/>
           </a:xfrm>
           <a:prstGeom prst="rect">
             <a:avLst/>
@@ -6654,16 +6654,69 @@
           <a:p>
             <a:r>
               <a:rPr lang="en-CA" sz="1013" dirty="0"/>
-              <a:t>	Python3.8 or above installed</a:t>
+              <a:t>	1. Python3.8 or above installed</a:t>
             </a:r>
           </a:p>
           <a:p>
             <a:r>
               <a:rPr lang="en-CA" sz="1013" dirty="0"/>
-              <a:t>	Git installed.</a:t>
-            </a:r>
-          </a:p>
-          <a:p>
+              <a:t>	win32: </a:t>
+            </a:r>
+            <a:r>
+              <a:rPr lang="en-CA" sz="1013" dirty="0">
+                <a:hlinkClick r:id="rId3"/>
+              </a:rPr>
+              <a:t>https://www.python.org/ftp/python/3.8.7/python-3.8.7.exe</a:t>
+            </a:r>
+            <a:endParaRPr lang="en-CA" sz="1013" dirty="0"/>
+          </a:p>
+          <a:p>
+            <a:r>
+              <a:rPr lang="en-CA" sz="1013" dirty="0"/>
+              <a:t>	win64: </a:t>
+            </a:r>
+            <a:r>
+              <a:rPr lang="en-CA" sz="1013" dirty="0">
+                <a:hlinkClick r:id="rId3"/>
+              </a:rPr>
+              <a:t>https://www.python.org/ftp/python/3.8.7/python-3.8.7-amd64.exe</a:t>
+            </a:r>
+          </a:p>
+          <a:p>
+            <a:endParaRPr lang="en-CA" sz="1013" dirty="0">
+              <a:hlinkClick r:id="rId3"/>
+            </a:endParaRPr>
+          </a:p>
+          <a:p>
+            <a:r>
+              <a:rPr lang="en-CA" sz="1013" dirty="0"/>
+              <a:t>	2. Git </a:t>
+            </a:r>
+          </a:p>
+          <a:p>
+            <a:r>
+              <a:rPr lang="en-CA" sz="1013" dirty="0"/>
+              <a:t>	win32:</a:t>
+            </a:r>
+            <a:r>
+              <a:rPr lang="en-CA" sz="1013" dirty="0">
+                <a:hlinkClick r:id="rId4"/>
+              </a:rPr>
+              <a:t>https://github.com/git-for-windows/git/releases/download/v2.30.0.windows.2/Git-2.30.0.2-32-bit.exe</a:t>
+            </a:r>
+            <a:endParaRPr lang="en-CA" sz="1013" dirty="0"/>
+          </a:p>
+          <a:p>
+            <a:r>
+              <a:rPr lang="en-CA" sz="1013" dirty="0"/>
+              <a:t>	win64: </a:t>
+            </a:r>
+            <a:r>
+              <a:rPr lang="en-CA" sz="1013" dirty="0">
+                <a:hlinkClick r:id="rId5"/>
+              </a:rPr>
+              <a:t>https://github.com/git-for-windows/git/releases/download/v2.30.0.windows.2/Git-2.30.0.2-64-bit.exe</a:t>
+            </a:r>
             <a:endParaRPr lang="en-CA" sz="1013" dirty="0"/>
           </a:p>
           <a:p>
